--- a/Capstone_Presentation.pptx
+++ b/Capstone_Presentation.pptx
@@ -20,6 +20,7 @@
     <p:sldId id="268" r:id="rId14"/>
     <p:sldId id="269" r:id="rId15"/>
     <p:sldId id="270" r:id="rId16"/>
+    <p:sldId id="271" r:id="rId17"/>
   </p:sldIdLst>
   <p:sldSz cx="12192000" cy="6858000"/>
   <p:notesSz cx="6858000" cy="9144000"/>
@@ -118,6 +119,11 @@
       </a:defRPr>
     </a:lvl9pPr>
   </p:defaultTextStyle>
+  <p:extLst>
+    <p:ext uri="{EFAFB233-063F-42B5-8137-9DF3F51BA10A}">
+      <p15:sldGuideLst xmlns:p15="http://schemas.microsoft.com/office/powerpoint/2012/main"/>
+    </p:ext>
+  </p:extLst>
 </p:presentation>
 </file>
 
@@ -252,7 +258,7 @@
           <a:p>
             <a:fld id="{71FEB270-6B9F-4592-8A7B-D949DFA854CC}" type="datetimeFigureOut">
               <a:rPr lang="en-US" smtClean="0"/>
-              <a:t>8/28/2020</a:t>
+              <a:t>8/29/2020</a:t>
             </a:fld>
             <a:endParaRPr lang="en-US"/>
           </a:p>
@@ -422,7 +428,7 @@
           <a:p>
             <a:fld id="{71FEB270-6B9F-4592-8A7B-D949DFA854CC}" type="datetimeFigureOut">
               <a:rPr lang="en-US" smtClean="0"/>
-              <a:t>8/28/2020</a:t>
+              <a:t>8/29/2020</a:t>
             </a:fld>
             <a:endParaRPr lang="en-US"/>
           </a:p>
@@ -602,7 +608,7 @@
           <a:p>
             <a:fld id="{71FEB270-6B9F-4592-8A7B-D949DFA854CC}" type="datetimeFigureOut">
               <a:rPr lang="en-US" smtClean="0"/>
-              <a:t>8/28/2020</a:t>
+              <a:t>8/29/2020</a:t>
             </a:fld>
             <a:endParaRPr lang="en-US"/>
           </a:p>
@@ -772,7 +778,7 @@
           <a:p>
             <a:fld id="{71FEB270-6B9F-4592-8A7B-D949DFA854CC}" type="datetimeFigureOut">
               <a:rPr lang="en-US" smtClean="0"/>
-              <a:t>8/28/2020</a:t>
+              <a:t>8/29/2020</a:t>
             </a:fld>
             <a:endParaRPr lang="en-US"/>
           </a:p>
@@ -1018,7 +1024,7 @@
           <a:p>
             <a:fld id="{71FEB270-6B9F-4592-8A7B-D949DFA854CC}" type="datetimeFigureOut">
               <a:rPr lang="en-US" smtClean="0"/>
-              <a:t>8/28/2020</a:t>
+              <a:t>8/29/2020</a:t>
             </a:fld>
             <a:endParaRPr lang="en-US"/>
           </a:p>
@@ -1250,7 +1256,7 @@
           <a:p>
             <a:fld id="{71FEB270-6B9F-4592-8A7B-D949DFA854CC}" type="datetimeFigureOut">
               <a:rPr lang="en-US" smtClean="0"/>
-              <a:t>8/28/2020</a:t>
+              <a:t>8/29/2020</a:t>
             </a:fld>
             <a:endParaRPr lang="en-US"/>
           </a:p>
@@ -1617,7 +1623,7 @@
           <a:p>
             <a:fld id="{71FEB270-6B9F-4592-8A7B-D949DFA854CC}" type="datetimeFigureOut">
               <a:rPr lang="en-US" smtClean="0"/>
-              <a:t>8/28/2020</a:t>
+              <a:t>8/29/2020</a:t>
             </a:fld>
             <a:endParaRPr lang="en-US"/>
           </a:p>
@@ -1735,7 +1741,7 @@
           <a:p>
             <a:fld id="{71FEB270-6B9F-4592-8A7B-D949DFA854CC}" type="datetimeFigureOut">
               <a:rPr lang="en-US" smtClean="0"/>
-              <a:t>8/28/2020</a:t>
+              <a:t>8/29/2020</a:t>
             </a:fld>
             <a:endParaRPr lang="en-US"/>
           </a:p>
@@ -1830,7 +1836,7 @@
           <a:p>
             <a:fld id="{71FEB270-6B9F-4592-8A7B-D949DFA854CC}" type="datetimeFigureOut">
               <a:rPr lang="en-US" smtClean="0"/>
-              <a:t>8/28/2020</a:t>
+              <a:t>8/29/2020</a:t>
             </a:fld>
             <a:endParaRPr lang="en-US"/>
           </a:p>
@@ -2107,7 +2113,7 @@
           <a:p>
             <a:fld id="{71FEB270-6B9F-4592-8A7B-D949DFA854CC}" type="datetimeFigureOut">
               <a:rPr lang="en-US" smtClean="0"/>
-              <a:t>8/28/2020</a:t>
+              <a:t>8/29/2020</a:t>
             </a:fld>
             <a:endParaRPr lang="en-US"/>
           </a:p>
@@ -2364,7 +2370,7 @@
           <a:p>
             <a:fld id="{71FEB270-6B9F-4592-8A7B-D949DFA854CC}" type="datetimeFigureOut">
               <a:rPr lang="en-US" smtClean="0"/>
-              <a:t>8/28/2020</a:t>
+              <a:t>8/29/2020</a:t>
             </a:fld>
             <a:endParaRPr lang="en-US"/>
           </a:p>
@@ -2577,7 +2583,7 @@
           <a:p>
             <a:fld id="{71FEB270-6B9F-4592-8A7B-D949DFA854CC}" type="datetimeFigureOut">
               <a:rPr lang="en-US" smtClean="0"/>
-              <a:t>8/28/2020</a:t>
+              <a:t>8/29/2020</a:t>
             </a:fld>
             <a:endParaRPr lang="en-US"/>
           </a:p>
@@ -3766,6 +3772,103 @@
 </p:sld>
 </file>
 
+<file path=ppt/slides/slide16.xml><?xml version="1.0" encoding="utf-8"?>
+<p:sld xmlns:a="http://schemas.openxmlformats.org/drawingml/2006/main" xmlns:r="http://schemas.openxmlformats.org/officeDocument/2006/relationships" xmlns:p="http://schemas.openxmlformats.org/presentationml/2006/main">
+  <p:cSld>
+    <p:spTree>
+      <p:nvGrpSpPr>
+        <p:cNvPr id="1" name=""/>
+        <p:cNvGrpSpPr/>
+        <p:nvPr/>
+      </p:nvGrpSpPr>
+      <p:grpSpPr>
+        <a:xfrm>
+          <a:off x="0" y="0"/>
+          <a:ext cx="0" cy="0"/>
+          <a:chOff x="0" y="0"/>
+          <a:chExt cx="0" cy="0"/>
+        </a:xfrm>
+      </p:grpSpPr>
+      <p:sp>
+        <p:nvSpPr>
+          <p:cNvPr id="2" name="Title 1">
+            <a:extLst>
+              <a:ext uri="{FF2B5EF4-FFF2-40B4-BE49-F238E27FC236}">
+                <a16:creationId xmlns:a16="http://schemas.microsoft.com/office/drawing/2014/main" id="{55025C0B-3A7D-46DE-9041-ABEC0C1930A5}"/>
+              </a:ext>
+            </a:extLst>
+          </p:cNvPr>
+          <p:cNvSpPr>
+            <a:spLocks noGrp="1"/>
+          </p:cNvSpPr>
+          <p:nvPr>
+            <p:ph type="title"/>
+          </p:nvPr>
+        </p:nvSpPr>
+        <p:spPr/>
+        <p:txBody>
+          <a:bodyPr/>
+          <a:lstStyle/>
+          <a:p>
+            <a:r>
+              <a:rPr lang="en-US" dirty="0"/>
+              <a:t>Conclusions</a:t>
+            </a:r>
+          </a:p>
+        </p:txBody>
+      </p:sp>
+      <p:sp>
+        <p:nvSpPr>
+          <p:cNvPr id="3" name="Content Placeholder 2">
+            <a:extLst>
+              <a:ext uri="{FF2B5EF4-FFF2-40B4-BE49-F238E27FC236}">
+                <a16:creationId xmlns:a16="http://schemas.microsoft.com/office/drawing/2014/main" id="{E72E6F7B-FEEB-42F9-BA06-579817A44E1E}"/>
+              </a:ext>
+            </a:extLst>
+          </p:cNvPr>
+          <p:cNvSpPr>
+            <a:spLocks noGrp="1"/>
+          </p:cNvSpPr>
+          <p:nvPr>
+            <p:ph idx="1"/>
+          </p:nvPr>
+        </p:nvSpPr>
+        <p:spPr/>
+        <p:txBody>
+          <a:bodyPr/>
+          <a:lstStyle/>
+          <a:p>
+            <a:r>
+              <a:rPr lang="en-US" dirty="0"/>
+              <a:t> As stated above the reality of the original data set is questionable therefore the model trained on it could be unrealistic. That is why I think that going forward a collection of </a:t>
+            </a:r>
+            <a:r>
+              <a:rPr lang="en-US"/>
+              <a:t>more real-life </a:t>
+            </a:r>
+            <a:r>
+              <a:rPr lang="en-US" dirty="0"/>
+              <a:t>data could be advisable, so the model could be further developed and specified.</a:t>
+            </a:r>
+          </a:p>
+          <a:p>
+            <a:endParaRPr lang="en-US" dirty="0"/>
+          </a:p>
+        </p:txBody>
+      </p:sp>
+    </p:spTree>
+    <p:extLst>
+      <p:ext uri="{BB962C8B-B14F-4D97-AF65-F5344CB8AC3E}">
+        <p14:creationId xmlns:p14="http://schemas.microsoft.com/office/powerpoint/2010/main" val="62542570"/>
+      </p:ext>
+    </p:extLst>
+  </p:cSld>
+  <p:clrMapOvr>
+    <a:masterClrMapping/>
+  </p:clrMapOvr>
+</p:sld>
+</file>
+
 <file path=ppt/slides/slide2.xml><?xml version="1.0" encoding="utf-8"?>
 <p:sld xmlns:a="http://schemas.openxmlformats.org/drawingml/2006/main" xmlns:r="http://schemas.openxmlformats.org/officeDocument/2006/relationships" xmlns:p="http://schemas.openxmlformats.org/presentationml/2006/main">
   <p:cSld>
